--- a/PowerPoints/05 - Lexical Analysis.pptx
+++ b/PowerPoints/05 - Lexical Analysis.pptx
@@ -9705,10 +9705,10 @@
         </p:nvGrpSpPr>
         <p:grpSpPr>
           <a:xfrm>
-            <a:off x="342900" y="5715000"/>
-            <a:ext cx="8458200" cy="339725"/>
+            <a:off x="76200" y="5715000"/>
+            <a:ext cx="8838860" cy="339725"/>
             <a:chOff x="304800" y="5334000"/>
-            <a:chExt cx="8458200" cy="339725"/>
+            <a:chExt cx="8572160" cy="339725"/>
           </a:xfrm>
         </p:grpSpPr>
         <p:sp>
@@ -9770,7 +9770,7 @@
           </p:nvSpPr>
           <p:spPr bwMode="auto">
             <a:xfrm>
-              <a:off x="2397522" y="5334000"/>
+              <a:off x="2369032" y="5334000"/>
               <a:ext cx="1017588" cy="339725"/>
             </a:xfrm>
             <a:prstGeom prst="rect">
@@ -9813,7 +9813,7 @@
           </p:nvSpPr>
           <p:spPr bwMode="auto">
             <a:xfrm>
-              <a:off x="3480594" y="5334000"/>
+              <a:off x="3423614" y="5334000"/>
               <a:ext cx="2027238" cy="339725"/>
             </a:xfrm>
             <a:prstGeom prst="rect">
@@ -9856,7 +9856,7 @@
           </p:nvSpPr>
           <p:spPr bwMode="auto">
             <a:xfrm>
-              <a:off x="5573316" y="5334000"/>
+              <a:off x="5487846" y="5334000"/>
               <a:ext cx="960438" cy="339725"/>
             </a:xfrm>
             <a:prstGeom prst="rect">
@@ -9899,8 +9899,8 @@
           </p:nvSpPr>
           <p:spPr bwMode="auto">
             <a:xfrm>
-              <a:off x="6599237" y="5334000"/>
-              <a:ext cx="2163763" cy="339725"/>
+              <a:off x="6485279" y="5334000"/>
+              <a:ext cx="2391681" cy="339196"/>
             </a:xfrm>
             <a:prstGeom prst="rect">
               <a:avLst/>
@@ -9921,7 +9921,7 @@
             <a:p>
               <a:r>
                 <a:rPr lang="en-US" sz="1600" dirty="0"/>
-                <a:t>intLiteral [(“1”, (1, 10)]</a:t>
+                <a:t>intLiteral [(“100”, (1, 10)]</a:t>
               </a:r>
             </a:p>
           </p:txBody>

--- a/PowerPoints/05 - Lexical Analysis.pptx
+++ b/PowerPoints/05 - Lexical Analysis.pptx
@@ -12,7 +12,7 @@
   </p:handoutMasterIdLst>
   <p:sldIdLst>
     <p:sldId id="256" r:id="rId2"/>
-    <p:sldId id="363" r:id="rId3"/>
+    <p:sldId id="369" r:id="rId3"/>
     <p:sldId id="257" r:id="rId4"/>
     <p:sldId id="261" r:id="rId5"/>
     <p:sldId id="268" r:id="rId6"/>
@@ -9107,16 +9107,26 @@
             </a:r>
           </a:p>
           <a:p>
-            <a:pPr lvl="2"/>
+            <a:pPr marL="914400" lvl="2" indent="0">
+              <a:buNone/>
+            </a:pPr>
             <a:r>
               <a:rPr lang="en-US" dirty="0">
                 <a:latin typeface="Consolas" panose="020B0609020204030204" pitchFamily="49" charset="0"/>
               </a:rPr>
-              <a:t>Position		•  Source</a:t>
-            </a:r>
-          </a:p>
-          <a:p>
-            <a:pPr lvl="2"/>
+              <a:t>• Position		 • Source</a:t>
+            </a:r>
+          </a:p>
+          <a:p>
+            <a:pPr marL="914400" lvl="2" indent="0">
+              <a:buNone/>
+            </a:pPr>
+            <a:r>
+              <a:rPr lang="en-US" dirty="0">
+                <a:latin typeface="Consolas" panose="020B0609020204030204" pitchFamily="49" charset="0"/>
+              </a:rPr>
+              <a:t>• </a:t>
+            </a:r>
             <a:r>
               <a:rPr lang="en-US" dirty="0" err="1">
                 <a:latin typeface="Consolas" panose="020B0609020204030204" pitchFamily="49" charset="0"/>
@@ -9127,7 +9137,7 @@
               <a:rPr lang="en-US" dirty="0">
                 <a:latin typeface="Consolas" panose="020B0609020204030204" pitchFamily="49" charset="0"/>
               </a:rPr>
-              <a:t>	•  </a:t>
+              <a:t>	 • </a:t>
             </a:r>
             <a:r>
               <a:rPr lang="en-US" dirty="0" err="1">
@@ -9140,7 +9150,15 @@
             </a:endParaRPr>
           </a:p>
           <a:p>
-            <a:pPr lvl="2"/>
+            <a:pPr marL="914400" lvl="2" indent="0">
+              <a:buNone/>
+            </a:pPr>
+            <a:r>
+              <a:rPr lang="en-US" dirty="0">
+                <a:latin typeface="Consolas" panose="020B0609020204030204" pitchFamily="49" charset="0"/>
+              </a:rPr>
+              <a:t>• </a:t>
+            </a:r>
             <a:r>
               <a:rPr lang="en-US" dirty="0" err="1">
                 <a:latin typeface="Consolas" panose="020B0609020204030204" pitchFamily="49" charset="0"/>
@@ -9169,10 +9187,14 @@
             </a:r>
           </a:p>
           <a:p>
-            <a:pPr lvl="2"/>
-            <a:r>
-              <a:rPr lang="en-US" dirty="0"/>
-              <a:t>Symbol		•  Token</a:t>
+            <a:pPr marL="914400" lvl="2" indent="0">
+              <a:buNone/>
+            </a:pPr>
+            <a:r>
+              <a:rPr lang="en-US" dirty="0">
+                <a:latin typeface="Consolas" panose="020B0609020204030204" pitchFamily="49" charset="0"/>
+              </a:rPr>
+              <a:t>• Symbol		 • Token</a:t>
             </a:r>
           </a:p>
         </p:txBody>
@@ -9252,7 +9274,7 @@
     </p:spTree>
     <p:extLst>
       <p:ext uri="{BB962C8B-B14F-4D97-AF65-F5344CB8AC3E}">
-        <p14:creationId xmlns:p14="http://schemas.microsoft.com/office/powerpoint/2010/main" val="840970868"/>
+        <p14:creationId xmlns:p14="http://schemas.microsoft.com/office/powerpoint/2010/main" val="3570347657"/>
       </p:ext>
     </p:extLst>
   </p:cSld>

--- a/PowerPoints/05 - Lexical Analysis.pptx
+++ b/PowerPoints/05 - Lexical Analysis.pptx
@@ -15740,7 +15740,7 @@
           <a:p>
             <a:r>
               <a:rPr lang="en-US" dirty="0"/>
-              <a:t>Scanning a Hexadecimal Literal</a:t>
+              <a:t>Scanning a Binary Literal</a:t>
             </a:r>
           </a:p>
         </p:txBody>
@@ -15782,7 +15782,7 @@
               <a:rPr lang="en-US" sz="1800" dirty="0" err="1">
                 <a:latin typeface="Consolas" panose="020B0609020204030204" pitchFamily="49" charset="0"/>
               </a:rPr>
-              <a:t>scanHexLiteral</a:t>
+              <a:t>scanBinaryLiteral</a:t>
             </a:r>
             <a:r>
               <a:rPr lang="en-US" sz="1800" dirty="0">
@@ -15828,7 +15828,7 @@
               <a:rPr lang="en-US" sz="1800" dirty="0">
                 <a:latin typeface="Consolas" panose="020B0609020204030204" pitchFamily="49" charset="0"/>
               </a:rPr>
-              <a:t> contains "0X"</a:t>
+              <a:t> contains "0B"</a:t>
             </a:r>
           </a:p>
           <a:p>
@@ -15866,7 +15866,7 @@
               <a:rPr lang="en-US" sz="1800" dirty="0">
                 <a:latin typeface="Consolas" panose="020B0609020204030204" pitchFamily="49" charset="0"/>
               </a:rPr>
-              <a:t>[1] == 'X')</a:t>
+              <a:t>[1] == 'B')</a:t>
             </a:r>
           </a:p>
           <a:p>
@@ -15891,7 +15891,7 @@
               <a:rPr lang="en-US" sz="1800" dirty="0">
                 <a:latin typeface="Consolas" panose="020B0609020204030204" pitchFamily="49" charset="0"/>
               </a:rPr>
-              <a:t>    // check that the next character is a hex digit</a:t>
+              <a:t>    // check that the next character is a binary digit</a:t>
             </a:r>
           </a:p>
           <a:p>
@@ -15911,7 +15911,7 @@
               <a:rPr lang="en-US" sz="1800" dirty="0" err="1">
                 <a:latin typeface="Consolas" panose="020B0609020204030204" pitchFamily="49" charset="0"/>
               </a:rPr>
-              <a:t>CharUtil.isHexDigit</a:t>
+              <a:t>CharUtil.isBinaryDigit</a:t>
             </a:r>
             <a:r>
               <a:rPr lang="en-US" sz="1800" dirty="0">
@@ -15943,7 +15943,7 @@
               <a:rPr lang="en-US" sz="1800" dirty="0">
                 <a:latin typeface="Consolas" panose="020B0609020204030204" pitchFamily="49" charset="0"/>
               </a:rPr>
-              <a:t>        throw error("Improperly formed hexadecimal literal.")</a:t>
+              <a:t>        throw error("Improperly formed binary literal.")</a:t>
             </a:r>
           </a:p>
           <a:p>
@@ -16080,7 +16080,7 @@
               <a:rPr lang="en-US" sz="1800" dirty="0" err="1">
                 <a:latin typeface="Consolas" panose="020B0609020204030204" pitchFamily="49" charset="0"/>
               </a:rPr>
-              <a:t>CharUtil.isHexDigit</a:t>
+              <a:t>CharUtil.isBinaryDigit</a:t>
             </a:r>
             <a:r>
               <a:rPr lang="en-US" sz="1800" dirty="0">
